--- a/5.贪吃蛇PPT示例.pptx
+++ b/5.贪吃蛇PPT示例.pptx
@@ -141,6 +141,84 @@
 <p1510:revInfo xmlns:a="http://schemas.openxmlformats.org/drawingml/2006/main" xmlns:r="http://schemas.openxmlformats.org/officeDocument/2006/relationships" xmlns:p1510="http://schemas.microsoft.com/office/powerpoint/2015/10/main"/>
 </file>
 
+<file path=ppt/ink/ink1.xml><?xml version="1.0" encoding="utf-8"?>
+<inkml:ink xmlns:inkml="http://www.w3.org/2003/InkML">
+  <inkml:definitions>
+    <inkml:context xml:id="ctx0">
+      <inkml:inkSource xml:id="inkSrc0">
+        <inkml:traceFormat>
+          <inkml:channel name="X" type="integer" max="1920" units="cm"/>
+          <inkml:channel name="Y" type="integer" max="1080" units="cm"/>
+          <inkml:channel name="T" type="integer" max="2.14748E9" units="dev"/>
+        </inkml:traceFormat>
+        <inkml:channelProperties>
+          <inkml:channelProperty channel="X" name="resolution" value="62.13592" units="1/cm"/>
+          <inkml:channelProperty channel="Y" name="resolution" value="62.42775" units="1/cm"/>
+          <inkml:channelProperty channel="T" name="resolution" value="1" units="1/dev"/>
+        </inkml:channelProperties>
+      </inkml:inkSource>
+      <inkml:timestamp xml:id="ts0" timeString="2020-08-07T03:34:56.926"/>
+    </inkml:context>
+    <inkml:brush xml:id="br0">
+      <inkml:brushProperty name="width" value="0.05292" units="cm"/>
+      <inkml:brushProperty name="height" value="0.05292" units="cm"/>
+      <inkml:brushProperty name="color" value="#FF0000"/>
+    </inkml:brush>
+  </inkml:definitions>
+  <inkml:trace contextRef="#ctx0" brushRef="#br0">471 9951 0,'426'-176'31,"-852"352"-31,1058-352 0,-338 176 16,588 0-1,264 0 1,-161-59-1,-559 59 1,368 0 0,-500 0-16,-29 29 15,43 74 1,-175 15 0,-104 44-1,-29-15 1,0 14-1,0-28 1,0 28 0,-15 192-1,-58-15 1,-60 0 0,60-147-16,-103 133 15,87-148 1,-28 15-16,-221 206 15,-30-118 17,-43-161-17,-16-74 1,16-44 0,-1 0-1,-58 0 1,58 0-1,-58-88 1,44-74 0,293 103-16,16-29 15,73 15 1,14 43-16,30-87 16,-14-74-1,-31-15 1,31 103 15,14 88-15,-30-29-1,30-15 1,0 1 0,0 43-1,-29-15-15,14 1 16,1 14-16</inkml:trace>
+  <inkml:trace contextRef="#ctx0" brushRef="#br0" timeOffset="4279.5465">853 9569 0,'0'0'0,"-44"29"0,29 1 16,-29 29-1,-44 102 1,44 207 0,44 176-1,0 102 1,44-381-16,117 161 15,-72-293-15,14-45 16,176-29 0,103-59-1,30 58 1,73-13 0,-44 28-1,-221-58 1,-205-15-1,-1 0 17,-14-15-17,0-14 1,0-1-16,-29 30 16,0-14-16,14 14 78</inkml:trace>
+  <inkml:trace contextRef="#ctx0" brushRef="#br0" timeOffset="5532.8485">1661 9305 0,'0'0'0,"397"0"0,265 0 16,117 0 0,0 0-16,1234 205 15,-1013 1-15,-162 88 16,323 265-1,-661 220 1,-485 117 0,-501 133-1,-72-279 1,-1-221 0,1-250-1,-74-117 1,-191-103-1,-74-59 17,353-132-32,-617-486 15,676 236-15,29-30 16,-73-381 0,397 146-1,249 0 1,471-191-1,544-147 1,176 148 0,-837 528-16</inkml:trace>
+  <inkml:trace contextRef="#ctx0" brushRef="#br0" timeOffset="19004.7646">4954 1646 0,'-15'74'47,"15"29"-47,0 73 15,0 118-15,206 661 16,-103-367-1,-44 30-15,146 425 16,-116-205 0,-45-279 15,0-206-15,-44-103-1,15-74 1,-3323-73-1</inkml:trace>
+  <inkml:trace contextRef="#ctx0" brushRef="#br0" timeOffset="20719.7677">5263 1367 0,'44'0'63,"88"0"-48,103 0-15,118 0 16,132 0 0,1191 0-1,720 74 1,323 102-1,118 59 1,-265-147 0,-720-88-1,-823 0 1,-441 0 0,-441 15-16,-117 0 15,-16 14 1,-14-14-1,0 44-15,0 29 16,0 162 0,44 249 15,147 560-15,1 367-1,-90-118 1,-43-88-1,-59-426 1,0-265 0,0-235-1,0-236 1,0-43 0,0 0 30,0 0-46,-14 43 16,-1-28 15,0-16-15,-14 1 0,-3499-15-1,6659 0 1,-3602 44-1,16-14-15,-1044-30 16,543 0-16,-235-30 16,-1351-146-1,351-30 1,560 162 0,440 44-1,265-29 1,338-15-1,221-1 1,161 31 0,74-1-1,58-14 1,-117-1 0,73 1-16,-73 14 15,-161-58 1,43 14-1,0 15 1,30-30 0,-3073 74-1,6645-14 48,-3308 14-48,1-30-15,-60-29 16,59 30-16,-73 0 16</inkml:trace>
+  <inkml:trace contextRef="#ctx0" brushRef="#br0" timeOffset="22111.648">20873 2190 0,'0'15'16,"0"73"-16,0 0 16,0 265-1,-59 353 1,30 499 0,-15 250-1,44-73 1,88-441-1,-15-309 1,-43-397-16,-16 162 16,-14-250-1,0 29 1,0 59 0,-14-132-1,14-29 1,-3337-16-1,6630 45 1,-3293-14 0,0 43-1,0-117 1,-3322-1 0,6629 1 30,-3322-15-14,15-44 30,15 14-46,-15 1-16,0 0 15,15-15-15,-15 14 16,0-29 0,14 59-1,1-14 63</inkml:trace>
+  <inkml:trace contextRef="#ctx0" brushRef="#br0" timeOffset="25447.9339">6791 3425 0,'103'-15'31,"-44"15"-31,-30 0 16,74 0-1,88 0 1,59 0 0,191 0-1,88 0 1,-29 0-1,-235 0 1,-251 0 0</inkml:trace>
+  <inkml:trace contextRef="#ctx0" brushRef="#br0" timeOffset="26763.1926">7173 2528 0,'0'15'0,"59"-15"15,29 0 1,-43 0-16,43 0 16,191 0-1,-103 0 1,118 0 0,-147 0-16,-29 0 15,102 29 1,-3424 1-1,6644 14 1</inkml:trace>
+  <inkml:trace contextRef="#ctx0" brushRef="#br0" timeOffset="27312.3178">7365 2940 0,'0'0'0,"29"-30"0,44 30 16,16 0-1,146 0 1,88 0-1,1 0 1,-177 0-16,-30 0 16,-87 0 31</inkml:trace>
+  <inkml:trace contextRef="#ctx0" brushRef="#br0" timeOffset="28062.5031">7232 4072 0,'0'14'15,"74"-14"-15,-30 0 16,44 0 0,88 0-1,60 0 1,-31 0-1,89 30 1,-14-30 0,-75 0-1,-131 0 1</inkml:trace>
+  <inkml:trace contextRef="#ctx0" brushRef="#br0" timeOffset="28871.3119">7173 4674 0,'0'-14'0,"59"14"15,103-15 1,58 0-1,133-14 1,0 29 0,0 0-1,-30 0 1,-132 0 0,-176 0-1</inkml:trace>
+  <inkml:trace contextRef="#ctx0" brushRef="#br0" timeOffset="31287.9861">8805 4013 0,'15'0'16,"14"0"-1,-14 0 63,0 0-62,-1 0 0,16 0-1,-16 0-15,45 0 16,-44 0-16,44 0 15,14 0 1,-58 0 0,-1 0 15</inkml:trace>
+  <inkml:trace contextRef="#ctx0" brushRef="#br0" timeOffset="35919.7221">10157 3660 0,'0'0'0,"30"0"15,43 0 1,60 0 0,28 44-1,1 0 1,88-14 0,-30 14-1,-87-30 1,43-14-1,-14 0 1,-104 0-16,45 15 16</inkml:trace>
+  <inkml:trace contextRef="#ctx0" brushRef="#br0" timeOffset="36461.8431">11363 3337 0,'14'14'32,"60"30"-32,58 45 15,0-1-15,-58-59 16,44 1-1,205 117 1,-44-44 0,-176-59-16,-88-44 15,-1 14 1,-14 1 0,0 29-1,-44-29 1,-117 0-1,-16-15 1,1 0 0,117 0-1,44 0 1,-14 0 0</inkml:trace>
+  <inkml:trace contextRef="#ctx0" brushRef="#br0" timeOffset="37176.0027">3925 11759 0</inkml:trace>
+  <inkml:trace contextRef="#ctx0" brushRef="#br0" timeOffset="44208.0013">11613 4189 0,'73'0'16,"1"-14"-16,-1-16 15,15 30 1,-29 0 0,44-29 15,-44 29-16,14-15 1,-14 15 0,-30 0-1,15-29 1,-29 29 0,0 0 30,29-15 95,-29 0-141,-1 1 16,16 14-1,-1-30 1,-14 15 0,14 1 15,-29-1 47,15-14-62</inkml:trace>
+  <inkml:trace contextRef="#ctx0" brushRef="#br0" timeOffset="66864.3485">1206 14552 0</inkml:trace>
+  <inkml:trace contextRef="#ctx0" brushRef="#br0" timeOffset="77776.2735">5968 7555 0,'0'44'15,"-44"74"-15,29-15 16,-29 0-16,0 29 15,-15-58 1,30-89 15</inkml:trace>
+  <inkml:trace contextRef="#ctx0" brushRef="#br0" timeOffset="77959.8715">5571 8378 0,'0'0'0,"0"177"0,-44 73 16,0 14-16,-29-28 15,-1 131 1,30-235 0</inkml:trace>
+  <inkml:trace contextRef="#ctx0" brushRef="#br0" timeOffset="78712.0051">5586 7585 0,'0'0'0,"15"73"0,29 30 16,0 44-16,0 15 15,29-30-15,30 236 16,-29-251 0,-60 15-16,31 30 15,-45-88 1,0-60-1</inkml:trace>
+  <inkml:trace contextRef="#ctx0" brushRef="#br0" timeOffset="85120.1968">5292 1352 0,'-15'15'93,"-58"59"-93,43-45 16,-43 44-16,29 1 16,-89 73-1,89-74 1,0 16 0</inkml:trace>
+  <inkml:trace contextRef="#ctx0" brushRef="#br0" timeOffset="94968.6087">5880 8952 0,'88'0'79,"-14"0"-64,58 0-15,74 0 16,29 0-16,397 0 15,-15 0 1,-88 0 0,-205 0-1,-221 0 17,-89 0-17</inkml:trace>
+</inkml:ink>
+</file>
+
+<file path=ppt/ink/ink2.xml><?xml version="1.0" encoding="utf-8"?>
+<inkml:ink xmlns:inkml="http://www.w3.org/2003/InkML">
+  <inkml:definitions>
+    <inkml:context xml:id="ctx0">
+      <inkml:inkSource xml:id="inkSrc0">
+        <inkml:traceFormat>
+          <inkml:channel name="X" type="integer" max="1920" units="cm"/>
+          <inkml:channel name="Y" type="integer" max="1080" units="cm"/>
+          <inkml:channel name="T" type="integer" max="2.14748E9" units="dev"/>
+        </inkml:traceFormat>
+        <inkml:channelProperties>
+          <inkml:channelProperty channel="X" name="resolution" value="62.13592" units="1/cm"/>
+          <inkml:channelProperty channel="Y" name="resolution" value="62.42775" units="1/cm"/>
+          <inkml:channelProperty channel="T" name="resolution" value="1" units="1/dev"/>
+        </inkml:channelProperties>
+      </inkml:inkSource>
+      <inkml:timestamp xml:id="ts0" timeString="2020-08-07T03:36:46.158"/>
+    </inkml:context>
+    <inkml:brush xml:id="br0">
+      <inkml:brushProperty name="width" value="0.05292" units="cm"/>
+      <inkml:brushProperty name="height" value="0.05292" units="cm"/>
+      <inkml:brushProperty name="color" value="#FF0000"/>
+    </inkml:brush>
+  </inkml:definitions>
+  <inkml:trace contextRef="#ctx0" brushRef="#br0">3925 6247 0,'15'0'16,"58"0"-1,30 44-15,15-44 16,87 0 0,280 0-1,192 0 1,72 30-1,-117 43 1,-191-58 0,-294-15-1,-103 0 1,-14 0 0,-16 0 109,1 0-125,0 0 15,0-15-15</inkml:trace>
+  <inkml:trace contextRef="#ctx0" brushRef="#br0" timeOffset="1281.74">3778 7732 0,'0'0'0,"132"-44"0,-58 44 16,29 0-16,308 0 15,-87 0 1,-30 0-1,382 0 1,-88 0 0,-162 0-1,-206 0 1,-205 0 0</inkml:trace>
+</inkml:ink>
+</file>
+
 <file path=ppt/notesMasters/notesMaster1.xml><?xml version="1.0" encoding="utf-8"?>
 <p:notesMaster xmlns:a="http://schemas.openxmlformats.org/drawingml/2006/main" xmlns:r="http://schemas.openxmlformats.org/officeDocument/2006/relationships" xmlns:p="http://schemas.openxmlformats.org/presentationml/2006/main">
   <p:cSld>
@@ -224,7 +302,7 @@
             <a:fld id="{C818CEE3-839B-4F99-96F2-21BC09439874}" type="datetimeFigureOut">
               <a:rPr lang="zh-CN" altLang="en-US" smtClean="0"/>
               <a:pPr/>
-              <a:t>2017.07.28</a:t>
+              <a:t>2020/8/7</a:t>
             </a:fld>
             <a:endParaRPr lang="zh-CN" altLang="en-US"/>
           </a:p>
@@ -606,7 +684,7 @@
             <a:fld id="{0F7CB8CC-4F6A-4354-B139-59FD76F26A53}" type="datetimeFigureOut">
               <a:rPr lang="zh-CN" altLang="en-US" smtClean="0"/>
               <a:pPr/>
-              <a:t>2017.07.28</a:t>
+              <a:t>2020/8/7</a:t>
             </a:fld>
             <a:endParaRPr lang="zh-CN" altLang="en-US"/>
           </a:p>
@@ -834,7 +912,7 @@
             <a:fld id="{0F7CB8CC-4F6A-4354-B139-59FD76F26A53}" type="datetimeFigureOut">
               <a:rPr lang="zh-CN" altLang="en-US" smtClean="0"/>
               <a:pPr/>
-              <a:t>2017.07.28</a:t>
+              <a:t>2020/8/7</a:t>
             </a:fld>
             <a:endParaRPr lang="zh-CN" altLang="en-US"/>
           </a:p>
@@ -1011,7 +1089,7 @@
             <a:fld id="{0F7CB8CC-4F6A-4354-B139-59FD76F26A53}" type="datetimeFigureOut">
               <a:rPr lang="zh-CN" altLang="en-US" smtClean="0"/>
               <a:pPr/>
-              <a:t>2017.07.28</a:t>
+              <a:t>2020/8/7</a:t>
             </a:fld>
             <a:endParaRPr lang="zh-CN" altLang="en-US"/>
           </a:p>
@@ -1178,7 +1256,7 @@
             <a:fld id="{0F7CB8CC-4F6A-4354-B139-59FD76F26A53}" type="datetimeFigureOut">
               <a:rPr lang="zh-CN" altLang="en-US" smtClean="0"/>
               <a:pPr/>
-              <a:t>2017.07.28</a:t>
+              <a:t>2020/8/7</a:t>
             </a:fld>
             <a:endParaRPr lang="zh-CN" altLang="en-US"/>
           </a:p>
@@ -1419,7 +1497,7 @@
             <a:fld id="{0F7CB8CC-4F6A-4354-B139-59FD76F26A53}" type="datetimeFigureOut">
               <a:rPr lang="zh-CN" altLang="en-US" smtClean="0"/>
               <a:pPr/>
-              <a:t>2017.07.28</a:t>
+              <a:t>2020/8/7</a:t>
             </a:fld>
             <a:endParaRPr lang="zh-CN" altLang="en-US"/>
           </a:p>
@@ -1685,7 +1763,7 @@
             <a:fld id="{0F7CB8CC-4F6A-4354-B139-59FD76F26A53}" type="datetimeFigureOut">
               <a:rPr lang="zh-CN" altLang="en-US" smtClean="0"/>
               <a:pPr/>
-              <a:t>2017.07.28</a:t>
+              <a:t>2020/8/7</a:t>
             </a:fld>
             <a:endParaRPr lang="zh-CN" altLang="en-US"/>
           </a:p>
@@ -2061,7 +2139,7 @@
             <a:fld id="{0F7CB8CC-4F6A-4354-B139-59FD76F26A53}" type="datetimeFigureOut">
               <a:rPr lang="zh-CN" altLang="en-US" smtClean="0"/>
               <a:pPr/>
-              <a:t>2017.07.28</a:t>
+              <a:t>2020/8/7</a:t>
             </a:fld>
             <a:endParaRPr lang="zh-CN" altLang="en-US"/>
           </a:p>
@@ -2176,7 +2254,7 @@
             <a:fld id="{0F7CB8CC-4F6A-4354-B139-59FD76F26A53}" type="datetimeFigureOut">
               <a:rPr lang="zh-CN" altLang="en-US" smtClean="0"/>
               <a:pPr/>
-              <a:t>2017.07.28</a:t>
+              <a:t>2020/8/7</a:t>
             </a:fld>
             <a:endParaRPr lang="zh-CN" altLang="en-US"/>
           </a:p>
@@ -2268,7 +2346,7 @@
             <a:fld id="{0F7CB8CC-4F6A-4354-B139-59FD76F26A53}" type="datetimeFigureOut">
               <a:rPr lang="zh-CN" altLang="en-US" smtClean="0"/>
               <a:pPr/>
-              <a:t>2017.07.28</a:t>
+              <a:t>2020/8/7</a:t>
             </a:fld>
             <a:endParaRPr lang="zh-CN" altLang="en-US"/>
           </a:p>
@@ -2528,7 +2606,7 @@
             <a:fld id="{0F7CB8CC-4F6A-4354-B139-59FD76F26A53}" type="datetimeFigureOut">
               <a:rPr lang="zh-CN" altLang="en-US" smtClean="0"/>
               <a:pPr/>
-              <a:t>2017.07.28</a:t>
+              <a:t>2020/8/7</a:t>
             </a:fld>
             <a:endParaRPr lang="zh-CN" altLang="en-US"/>
           </a:p>
@@ -2794,7 +2872,7 @@
             <a:fld id="{0F7CB8CC-4F6A-4354-B139-59FD76F26A53}" type="datetimeFigureOut">
               <a:rPr lang="zh-CN" altLang="en-US" smtClean="0"/>
               <a:pPr/>
-              <a:t>2017.07.28</a:t>
+              <a:t>2020/8/7</a:t>
             </a:fld>
             <a:endParaRPr lang="zh-CN" altLang="en-US"/>
           </a:p>
@@ -3016,7 +3094,7 @@
             <a:fld id="{0F7CB8CC-4F6A-4354-B139-59FD76F26A53}" type="datetimeFigureOut">
               <a:rPr lang="zh-CN" altLang="en-US" smtClean="0"/>
               <a:pPr/>
-              <a:t>2017.07.28</a:t>
+              <a:t>2020/8/7</a:t>
             </a:fld>
             <a:endParaRPr lang="zh-CN" altLang="en-US"/>
           </a:p>
@@ -3552,7 +3630,7 @@
         <p:grpSpPr>
           <a:xfrm>
             <a:off x="5286164" y="4239327"/>
-            <a:ext cx="1960590" cy="1138453"/>
+            <a:ext cx="2124236" cy="1138453"/>
             <a:chOff x="5292612" y="3843284"/>
             <a:chExt cx="1960590" cy="1138453"/>
           </a:xfrm>
@@ -3654,21 +3732,21 @@
                 <a:t>PPT  By @15PB</a:t>
               </a:r>
               <a:r>
-                <a:rPr lang="zh-CN" altLang="en-US" sz="1333" dirty="0">
+                <a:rPr lang="zh-CN" altLang="en-US" sz="1333" dirty="0" smtClean="0">
                   <a:latin typeface="微软雅黑" pitchFamily="34" charset="-122"/>
                   <a:ea typeface="微软雅黑" pitchFamily="34" charset="-122"/>
                 </a:rPr>
                 <a:t>第</a:t>
               </a:r>
               <a:r>
-                <a:rPr lang="en-US" altLang="zh-CN" sz="1333" dirty="0">
+                <a:rPr lang="en-US" altLang="zh-CN" sz="1333" dirty="0" smtClean="0">
                   <a:latin typeface="微软雅黑" pitchFamily="34" charset="-122"/>
                   <a:ea typeface="微软雅黑" pitchFamily="34" charset="-122"/>
                 </a:rPr>
-                <a:t>x</a:t>
+                <a:t>41</a:t>
               </a:r>
               <a:r>
-                <a:rPr lang="zh-CN" altLang="en-US" sz="1333" dirty="0">
+                <a:rPr lang="zh-CN" altLang="en-US" sz="1333" dirty="0" smtClean="0">
                   <a:latin typeface="微软雅黑" pitchFamily="34" charset="-122"/>
                   <a:ea typeface="微软雅黑" pitchFamily="34" charset="-122"/>
                 </a:rPr>
@@ -3686,11 +3764,18 @@
                 </a:lnSpc>
               </a:pPr>
               <a:r>
-                <a:rPr lang="en-US" altLang="zh-CN" sz="1333">
+                <a:rPr lang="en-US" altLang="zh-CN" sz="1333" dirty="0">
                   <a:latin typeface="微软雅黑" pitchFamily="34" charset="-122"/>
                   <a:ea typeface="微软雅黑" pitchFamily="34" charset="-122"/>
                 </a:rPr>
-                <a:t>                 XXX</a:t>
+                <a:t>                 </a:t>
+              </a:r>
+              <a:r>
+                <a:rPr lang="zh-CN" altLang="en-US" sz="1333" dirty="0">
+                  <a:latin typeface="微软雅黑" pitchFamily="34" charset="-122"/>
+                  <a:ea typeface="微软雅黑" pitchFamily="34" charset="-122"/>
+                </a:rPr>
+                <a:t>毛宏伟</a:t>
               </a:r>
               <a:endParaRPr lang="en-US" altLang="zh-CN" sz="1333" dirty="0">
                 <a:latin typeface="微软雅黑" pitchFamily="34" charset="-122"/>
@@ -3704,11 +3789,11 @@
                 </a:lnSpc>
               </a:pPr>
               <a:r>
-                <a:rPr lang="en-US" altLang="zh-CN" sz="1333">
+                <a:rPr lang="en-US" altLang="zh-CN" sz="1333" dirty="0" smtClean="0">
                   <a:latin typeface="微软雅黑" pitchFamily="34" charset="-122"/>
                   <a:ea typeface="微软雅黑" pitchFamily="34" charset="-122"/>
                 </a:rPr>
-                <a:t>20XX-0X-0X </a:t>
+                <a:t>           2020-08-07 </a:t>
               </a:r>
               <a:endParaRPr lang="zh-CN" altLang="en-US" sz="1333" dirty="0">
                 <a:latin typeface="微软雅黑" pitchFamily="34" charset="-122"/>
@@ -3728,6 +3813,13 @@
   <p:clrMapOvr>
     <a:masterClrMapping/>
   </p:clrMapOvr>
+  <p:timing>
+    <p:tnLst>
+      <p:par>
+        <p:cTn id="1" dur="indefinite" restart="never" nodeType="tmRoot"/>
+      </p:par>
+    </p:tnLst>
+  </p:timing>
 </p:sld>
 </file>
 
@@ -3963,6 +4055,13 @@
   <p:clrMapOvr>
     <a:masterClrMapping/>
   </p:clrMapOvr>
+  <p:timing>
+    <p:tnLst>
+      <p:par>
+        <p:cTn id="1" dur="indefinite" restart="never" nodeType="tmRoot"/>
+      </p:par>
+    </p:tnLst>
+  </p:timing>
 </p:sld>
 </file>
 
@@ -4198,6 +4297,13 @@
   <p:clrMapOvr>
     <a:masterClrMapping/>
   </p:clrMapOvr>
+  <p:timing>
+    <p:tnLst>
+      <p:par>
+        <p:cTn id="1" dur="indefinite" restart="never" nodeType="tmRoot"/>
+      </p:par>
+    </p:tnLst>
+  </p:timing>
 </p:sld>
 </file>
 
@@ -4484,6 +4590,13 @@
   <p:clrMapOvr>
     <a:masterClrMapping/>
   </p:clrMapOvr>
+  <p:timing>
+    <p:tnLst>
+      <p:par>
+        <p:cTn id="1" dur="indefinite" restart="never" nodeType="tmRoot"/>
+      </p:par>
+    </p:tnLst>
+  </p:timing>
 </p:sld>
 </file>
 
@@ -5225,6 +5338,13 @@
   <p:clrMapOvr>
     <a:masterClrMapping/>
   </p:clrMapOvr>
+  <p:timing>
+    <p:tnLst>
+      <p:par>
+        <p:cTn id="1" dur="indefinite" restart="never" nodeType="tmRoot"/>
+      </p:par>
+    </p:tnLst>
+  </p:timing>
 </p:sld>
 </file>
 
@@ -5646,6 +5766,45 @@
           </a:fontRef>
         </p:style>
       </p:pic>
+      <mc:AlternateContent xmlns:mc="http://schemas.openxmlformats.org/markup-compatibility/2006">
+        <mc:Choice xmlns:p14="http://schemas.microsoft.com/office/powerpoint/2010/main" Requires="p14">
+          <p:contentPart p14:bwMode="auto" r:id="rId3">
+            <p14:nvContentPartPr>
+              <p14:cNvPr id="10" name="墨迹 9"/>
+              <p14:cNvContentPartPr/>
+              <p14:nvPr/>
+            </p14:nvContentPartPr>
+            <p14:xfrm>
+              <a:off x="169560" y="486720"/>
+              <a:ext cx="8096400" cy="4932360"/>
+            </p14:xfrm>
+          </p:contentPart>
+        </mc:Choice>
+        <mc:Fallback>
+          <p:pic>
+            <p:nvPicPr>
+              <p:cNvPr id="10" name="墨迹 9"/>
+              <p:cNvPicPr/>
+              <p:nvPr/>
+            </p:nvPicPr>
+            <p:blipFill>
+              <a:blip r:embed="rId4"/>
+              <a:stretch>
+                <a:fillRect/>
+              </a:stretch>
+            </p:blipFill>
+            <p:spPr>
+              <a:xfrm>
+                <a:off x="160200" y="477360"/>
+                <a:ext cx="8115120" cy="4951080"/>
+              </a:xfrm>
+              <a:prstGeom prst="rect">
+                <a:avLst/>
+              </a:prstGeom>
+            </p:spPr>
+          </p:pic>
+        </mc:Fallback>
+      </mc:AlternateContent>
     </p:spTree>
     <p:extLst>
       <p:ext uri="{BB962C8B-B14F-4D97-AF65-F5344CB8AC3E}">
@@ -5656,6 +5815,13 @@
   <p:clrMapOvr>
     <a:masterClrMapping/>
   </p:clrMapOvr>
+  <p:timing>
+    <p:tnLst>
+      <p:par>
+        <p:cTn id="1" dur="indefinite" restart="never" nodeType="tmRoot"/>
+      </p:par>
+    </p:tnLst>
+  </p:timing>
 </p:sld>
 </file>
 
@@ -5728,7 +5894,9 @@
       </p:sp>
       <p:sp>
         <p:nvSpPr>
-          <p:cNvPr id="3" name="单圆角矩形 2"/>
+          <p:cNvPr id="3" name="单圆角矩形 2">
+            <a:hlinkClick r:id="rId2" action="ppaction://hlinksldjump"/>
+          </p:cNvPr>
           <p:cNvSpPr/>
           <p:nvPr/>
         </p:nvSpPr>
@@ -5787,7 +5955,9 @@
       </p:sp>
       <p:sp>
         <p:nvSpPr>
-          <p:cNvPr id="4" name="单圆角矩形 3"/>
+          <p:cNvPr id="4" name="单圆角矩形 3">
+            <a:hlinkClick r:id="rId3" action="ppaction://hlinksldjump"/>
+          </p:cNvPr>
           <p:cNvSpPr/>
           <p:nvPr/>
         </p:nvSpPr>
@@ -5967,7 +6137,7 @@
               </a:spcBef>
             </a:pPr>
             <a:r>
-              <a:rPr lang="en-US" altLang="zh-CN" sz="2000">
+              <a:rPr lang="en-US" altLang="zh-CN" sz="2000" dirty="0">
                 <a:solidFill>
                   <a:schemeClr val="lt1"/>
                 </a:solidFill>
@@ -5977,7 +6147,7 @@
               <a:t>1.</a:t>
             </a:r>
             <a:r>
-              <a:rPr lang="zh-CN" altLang="en-US" sz="2000">
+              <a:rPr lang="zh-CN" altLang="en-US" sz="2000" dirty="0">
                 <a:solidFill>
                   <a:schemeClr val="lt1"/>
                 </a:solidFill>
@@ -5987,162 +6157,34 @@
               <a:t>添加背景音乐或者动作音效                  </a:t>
             </a:r>
             <a:r>
-              <a:rPr lang="en-US" altLang="zh-CN" sz="2000">
+              <a:rPr lang="en-US" altLang="zh-CN" sz="2000" dirty="0">
                 <a:solidFill>
                   <a:schemeClr val="lt1"/>
                 </a:solidFill>
                 <a:latin typeface="微软雅黑" pitchFamily="34" charset="-122"/>
                 <a:ea typeface="微软雅黑" pitchFamily="34" charset="-122"/>
               </a:rPr>
-              <a:t>【Easy】    【05】</a:t>
-            </a:r>
-          </a:p>
-          <a:p>
-            <a:pPr>
-              <a:spcBef>
-                <a:spcPts val="1500"/>
-              </a:spcBef>
-            </a:pPr>
-            <a:r>
-              <a:rPr lang="en-US" altLang="zh-CN" sz="2000">
+              <a:t>【Easy】    【</a:t>
+            </a:r>
+            <a:r>
+              <a:rPr lang="en-US" altLang="zh-CN" sz="2000" dirty="0" smtClean="0">
                 <a:solidFill>
                   <a:schemeClr val="lt1"/>
                 </a:solidFill>
                 <a:latin typeface="微软雅黑" pitchFamily="34" charset="-122"/>
                 <a:ea typeface="微软雅黑" pitchFamily="34" charset="-122"/>
               </a:rPr>
-              <a:t>2.</a:t>
-            </a:r>
-            <a:r>
-              <a:rPr lang="zh-CN" altLang="en-US" sz="2000">
+              <a:t>05】</a:t>
+            </a:r>
+            <a:r>
+              <a:rPr lang="zh-CN" altLang="en-US" sz="2000" dirty="0" smtClean="0">
                 <a:solidFill>
                   <a:schemeClr val="lt1"/>
                 </a:solidFill>
                 <a:latin typeface="微软雅黑" pitchFamily="34" charset="-122"/>
                 <a:ea typeface="微软雅黑" pitchFamily="34" charset="-122"/>
               </a:rPr>
-              <a:t>有欢迎界面，游戏选项等界面              </a:t>
-            </a:r>
-            <a:r>
-              <a:rPr lang="en-US" altLang="zh-CN" sz="2000">
-                <a:solidFill>
-                  <a:schemeClr val="lt1"/>
-                </a:solidFill>
-                <a:latin typeface="微软雅黑" pitchFamily="34" charset="-122"/>
-                <a:ea typeface="微软雅黑" pitchFamily="34" charset="-122"/>
-              </a:rPr>
-              <a:t>【Easy】     【05】</a:t>
-            </a:r>
-          </a:p>
-          <a:p>
-            <a:pPr>
-              <a:spcBef>
-                <a:spcPts val="1500"/>
-              </a:spcBef>
-            </a:pPr>
-            <a:r>
-              <a:rPr lang="en-US" altLang="zh-CN" sz="2000">
-                <a:solidFill>
-                  <a:schemeClr val="lt1"/>
-                </a:solidFill>
-                <a:latin typeface="微软雅黑" pitchFamily="34" charset="-122"/>
-                <a:ea typeface="微软雅黑" pitchFamily="34" charset="-122"/>
-              </a:rPr>
-              <a:t>3.</a:t>
-            </a:r>
-            <a:r>
-              <a:rPr lang="zh-CN" altLang="en-US" sz="2000">
-                <a:solidFill>
-                  <a:schemeClr val="lt1"/>
-                </a:solidFill>
-                <a:latin typeface="微软雅黑" pitchFamily="34" charset="-122"/>
-                <a:ea typeface="微软雅黑" pitchFamily="34" charset="-122"/>
-              </a:rPr>
-              <a:t>地图范围内有障碍物，可随机生成食物</a:t>
-            </a:r>
-            <a:r>
-              <a:rPr lang="en-US" altLang="zh-CN" sz="2000">
-                <a:solidFill>
-                  <a:schemeClr val="lt1"/>
-                </a:solidFill>
-                <a:latin typeface="微软雅黑" pitchFamily="34" charset="-122"/>
-                <a:ea typeface="微软雅黑" pitchFamily="34" charset="-122"/>
-              </a:rPr>
-              <a:t>【Normal】【05】</a:t>
-            </a:r>
-          </a:p>
-          <a:p>
-            <a:pPr>
-              <a:spcBef>
-                <a:spcPts val="1500"/>
-              </a:spcBef>
-            </a:pPr>
-            <a:r>
-              <a:rPr lang="en-US" altLang="zh-CN" sz="2000">
-                <a:solidFill>
-                  <a:schemeClr val="lt1"/>
-                </a:solidFill>
-                <a:latin typeface="微软雅黑" pitchFamily="34" charset="-122"/>
-                <a:ea typeface="微软雅黑" pitchFamily="34" charset="-122"/>
-              </a:rPr>
-              <a:t>4.</a:t>
-            </a:r>
-            <a:r>
-              <a:rPr lang="zh-CN" altLang="en-US" sz="2000">
-                <a:solidFill>
-                  <a:schemeClr val="lt1"/>
-                </a:solidFill>
-                <a:latin typeface="微软雅黑" pitchFamily="34" charset="-122"/>
-                <a:ea typeface="微软雅黑" pitchFamily="34" charset="-122"/>
-              </a:rPr>
-              <a:t>蛇可以在地图范围内随意移动              </a:t>
-            </a:r>
-            <a:r>
-              <a:rPr lang="en-US" altLang="zh-CN" sz="2000">
-                <a:solidFill>
-                  <a:schemeClr val="lt1"/>
-                </a:solidFill>
-                <a:latin typeface="微软雅黑" pitchFamily="34" charset="-122"/>
-                <a:ea typeface="微软雅黑" pitchFamily="34" charset="-122"/>
-              </a:rPr>
-              <a:t>【Normal】【10】</a:t>
-            </a:r>
-          </a:p>
-          <a:p>
-            <a:pPr>
-              <a:spcBef>
-                <a:spcPts val="1500"/>
-              </a:spcBef>
-            </a:pPr>
-            <a:r>
-              <a:rPr lang="en-US" altLang="zh-CN" sz="2000">
-                <a:solidFill>
-                  <a:schemeClr val="lt1"/>
-                </a:solidFill>
-                <a:latin typeface="微软雅黑" pitchFamily="34" charset="-122"/>
-                <a:ea typeface="微软雅黑" pitchFamily="34" charset="-122"/>
-              </a:rPr>
-              <a:t>5.</a:t>
-            </a:r>
-            <a:r>
-              <a:rPr lang="zh-CN" altLang="en-US" sz="2000">
-                <a:solidFill>
-                  <a:schemeClr val="lt1"/>
-                </a:solidFill>
-                <a:latin typeface="微软雅黑" pitchFamily="34" charset="-122"/>
-                <a:ea typeface="微软雅黑" pitchFamily="34" charset="-122"/>
-              </a:rPr>
-              <a:t>游戏可暂停，可中途退出                     </a:t>
-            </a:r>
-            <a:r>
-              <a:rPr lang="en-US" altLang="zh-CN" sz="2000">
-                <a:solidFill>
-                  <a:schemeClr val="lt1"/>
-                </a:solidFill>
-                <a:latin typeface="微软雅黑" pitchFamily="34" charset="-122"/>
-                <a:ea typeface="微软雅黑" pitchFamily="34" charset="-122"/>
-              </a:rPr>
-              <a:t>【Easy】     【05】</a:t>
+              <a:t>√</a:t>
             </a:r>
             <a:endParaRPr lang="en-US" altLang="zh-CN" sz="2000" dirty="0">
               <a:solidFill>
@@ -6152,8 +6194,303 @@
               <a:ea typeface="微软雅黑" pitchFamily="34" charset="-122"/>
             </a:endParaRPr>
           </a:p>
-        </p:txBody>
-      </p:sp>
+          <a:p>
+            <a:pPr>
+              <a:spcBef>
+                <a:spcPts val="1500"/>
+              </a:spcBef>
+            </a:pPr>
+            <a:r>
+              <a:rPr lang="en-US" altLang="zh-CN" sz="2000" dirty="0">
+                <a:solidFill>
+                  <a:schemeClr val="lt1"/>
+                </a:solidFill>
+                <a:latin typeface="微软雅黑" pitchFamily="34" charset="-122"/>
+                <a:ea typeface="微软雅黑" pitchFamily="34" charset="-122"/>
+              </a:rPr>
+              <a:t>2.</a:t>
+            </a:r>
+            <a:r>
+              <a:rPr lang="zh-CN" altLang="en-US" sz="2000" dirty="0">
+                <a:solidFill>
+                  <a:schemeClr val="lt1"/>
+                </a:solidFill>
+                <a:latin typeface="微软雅黑" pitchFamily="34" charset="-122"/>
+                <a:ea typeface="微软雅黑" pitchFamily="34" charset="-122"/>
+              </a:rPr>
+              <a:t>有欢迎界面，游戏选项等界面              </a:t>
+            </a:r>
+            <a:r>
+              <a:rPr lang="en-US" altLang="zh-CN" sz="2000" dirty="0">
+                <a:solidFill>
+                  <a:schemeClr val="lt1"/>
+                </a:solidFill>
+                <a:latin typeface="微软雅黑" pitchFamily="34" charset="-122"/>
+                <a:ea typeface="微软雅黑" pitchFamily="34" charset="-122"/>
+              </a:rPr>
+              <a:t>【Easy】     【</a:t>
+            </a:r>
+            <a:r>
+              <a:rPr lang="en-US" altLang="zh-CN" sz="2000" dirty="0" smtClean="0">
+                <a:solidFill>
+                  <a:schemeClr val="lt1"/>
+                </a:solidFill>
+                <a:latin typeface="微软雅黑" pitchFamily="34" charset="-122"/>
+                <a:ea typeface="微软雅黑" pitchFamily="34" charset="-122"/>
+              </a:rPr>
+              <a:t>05】</a:t>
+            </a:r>
+            <a:r>
+              <a:rPr lang="zh-CN" altLang="en-US" sz="2000" dirty="0">
+                <a:solidFill>
+                  <a:schemeClr val="lt1"/>
+                </a:solidFill>
+                <a:latin typeface="微软雅黑" pitchFamily="34" charset="-122"/>
+                <a:ea typeface="微软雅黑" pitchFamily="34" charset="-122"/>
+              </a:rPr>
+              <a:t>√</a:t>
+            </a:r>
+            <a:endParaRPr lang="en-US" altLang="zh-CN" sz="2000" dirty="0">
+              <a:solidFill>
+                <a:schemeClr val="lt1"/>
+              </a:solidFill>
+              <a:latin typeface="微软雅黑" pitchFamily="34" charset="-122"/>
+              <a:ea typeface="微软雅黑" pitchFamily="34" charset="-122"/>
+            </a:endParaRPr>
+          </a:p>
+          <a:p>
+            <a:pPr>
+              <a:spcBef>
+                <a:spcPts val="1500"/>
+              </a:spcBef>
+            </a:pPr>
+            <a:r>
+              <a:rPr lang="en-US" altLang="zh-CN" sz="2000" dirty="0">
+                <a:solidFill>
+                  <a:schemeClr val="lt1"/>
+                </a:solidFill>
+                <a:latin typeface="微软雅黑" pitchFamily="34" charset="-122"/>
+                <a:ea typeface="微软雅黑" pitchFamily="34" charset="-122"/>
+              </a:rPr>
+              <a:t>3.</a:t>
+            </a:r>
+            <a:r>
+              <a:rPr lang="zh-CN" altLang="en-US" sz="2000" dirty="0">
+                <a:solidFill>
+                  <a:schemeClr val="lt1"/>
+                </a:solidFill>
+                <a:latin typeface="微软雅黑" pitchFamily="34" charset="-122"/>
+                <a:ea typeface="微软雅黑" pitchFamily="34" charset="-122"/>
+              </a:rPr>
+              <a:t>地图范围内有障碍物，可随机生成食物</a:t>
+            </a:r>
+            <a:r>
+              <a:rPr lang="en-US" altLang="zh-CN" sz="2000" dirty="0">
+                <a:solidFill>
+                  <a:schemeClr val="lt1"/>
+                </a:solidFill>
+                <a:latin typeface="微软雅黑" pitchFamily="34" charset="-122"/>
+                <a:ea typeface="微软雅黑" pitchFamily="34" charset="-122"/>
+              </a:rPr>
+              <a:t>【Normal】【</a:t>
+            </a:r>
+            <a:r>
+              <a:rPr lang="en-US" altLang="zh-CN" sz="2000" dirty="0" smtClean="0">
+                <a:solidFill>
+                  <a:schemeClr val="lt1"/>
+                </a:solidFill>
+                <a:latin typeface="微软雅黑" pitchFamily="34" charset="-122"/>
+                <a:ea typeface="微软雅黑" pitchFamily="34" charset="-122"/>
+              </a:rPr>
+              <a:t>05】</a:t>
+            </a:r>
+            <a:r>
+              <a:rPr lang="zh-CN" altLang="en-US" sz="2000" dirty="0" smtClean="0">
+                <a:solidFill>
+                  <a:schemeClr val="lt1"/>
+                </a:solidFill>
+                <a:latin typeface="微软雅黑" pitchFamily="34" charset="-122"/>
+                <a:ea typeface="微软雅黑" pitchFamily="34" charset="-122"/>
+              </a:rPr>
+              <a:t>√</a:t>
+            </a:r>
+            <a:endParaRPr lang="en-US" altLang="zh-CN" sz="2000" dirty="0">
+              <a:solidFill>
+                <a:schemeClr val="lt1"/>
+              </a:solidFill>
+              <a:latin typeface="微软雅黑" pitchFamily="34" charset="-122"/>
+              <a:ea typeface="微软雅黑" pitchFamily="34" charset="-122"/>
+            </a:endParaRPr>
+          </a:p>
+          <a:p>
+            <a:pPr>
+              <a:spcBef>
+                <a:spcPts val="1500"/>
+              </a:spcBef>
+            </a:pPr>
+            <a:r>
+              <a:rPr lang="en-US" altLang="zh-CN" sz="2000" dirty="0">
+                <a:solidFill>
+                  <a:schemeClr val="lt1"/>
+                </a:solidFill>
+                <a:latin typeface="微软雅黑" pitchFamily="34" charset="-122"/>
+                <a:ea typeface="微软雅黑" pitchFamily="34" charset="-122"/>
+              </a:rPr>
+              <a:t>4.</a:t>
+            </a:r>
+            <a:r>
+              <a:rPr lang="zh-CN" altLang="en-US" sz="2000" dirty="0">
+                <a:solidFill>
+                  <a:schemeClr val="lt1"/>
+                </a:solidFill>
+                <a:latin typeface="微软雅黑" pitchFamily="34" charset="-122"/>
+                <a:ea typeface="微软雅黑" pitchFamily="34" charset="-122"/>
+              </a:rPr>
+              <a:t>蛇可以在地图范围内随意移动              </a:t>
+            </a:r>
+            <a:r>
+              <a:rPr lang="en-US" altLang="zh-CN" sz="2000" dirty="0">
+                <a:solidFill>
+                  <a:schemeClr val="lt1"/>
+                </a:solidFill>
+                <a:latin typeface="微软雅黑" pitchFamily="34" charset="-122"/>
+                <a:ea typeface="微软雅黑" pitchFamily="34" charset="-122"/>
+              </a:rPr>
+              <a:t>【Normal】【</a:t>
+            </a:r>
+            <a:r>
+              <a:rPr lang="en-US" altLang="zh-CN" sz="2000" dirty="0" smtClean="0">
+                <a:solidFill>
+                  <a:schemeClr val="lt1"/>
+                </a:solidFill>
+                <a:latin typeface="微软雅黑" pitchFamily="34" charset="-122"/>
+                <a:ea typeface="微软雅黑" pitchFamily="34" charset="-122"/>
+              </a:rPr>
+              <a:t>10】</a:t>
+            </a:r>
+            <a:r>
+              <a:rPr lang="zh-CN" altLang="en-US" sz="2000" dirty="0" smtClean="0">
+                <a:solidFill>
+                  <a:schemeClr val="lt1"/>
+                </a:solidFill>
+                <a:latin typeface="微软雅黑" pitchFamily="34" charset="-122"/>
+                <a:ea typeface="微软雅黑" pitchFamily="34" charset="-122"/>
+              </a:rPr>
+              <a:t>√</a:t>
+            </a:r>
+            <a:endParaRPr lang="en-US" altLang="zh-CN" sz="2000" dirty="0">
+              <a:solidFill>
+                <a:schemeClr val="lt1"/>
+              </a:solidFill>
+              <a:latin typeface="微软雅黑" pitchFamily="34" charset="-122"/>
+              <a:ea typeface="微软雅黑" pitchFamily="34" charset="-122"/>
+            </a:endParaRPr>
+          </a:p>
+          <a:p>
+            <a:pPr>
+              <a:spcBef>
+                <a:spcPts val="1500"/>
+              </a:spcBef>
+            </a:pPr>
+            <a:r>
+              <a:rPr lang="en-US" altLang="zh-CN" sz="2000" dirty="0">
+                <a:solidFill>
+                  <a:schemeClr val="lt1"/>
+                </a:solidFill>
+                <a:latin typeface="微软雅黑" pitchFamily="34" charset="-122"/>
+                <a:ea typeface="微软雅黑" pitchFamily="34" charset="-122"/>
+              </a:rPr>
+              <a:t>5.</a:t>
+            </a:r>
+            <a:r>
+              <a:rPr lang="zh-CN" altLang="en-US" sz="2000" dirty="0">
+                <a:solidFill>
+                  <a:schemeClr val="lt1"/>
+                </a:solidFill>
+                <a:latin typeface="微软雅黑" pitchFamily="34" charset="-122"/>
+                <a:ea typeface="微软雅黑" pitchFamily="34" charset="-122"/>
+              </a:rPr>
+              <a:t>游戏可暂停，可中途退出                     </a:t>
+            </a:r>
+            <a:r>
+              <a:rPr lang="en-US" altLang="zh-CN" sz="2000" dirty="0">
+                <a:solidFill>
+                  <a:schemeClr val="lt1"/>
+                </a:solidFill>
+                <a:latin typeface="微软雅黑" pitchFamily="34" charset="-122"/>
+                <a:ea typeface="微软雅黑" pitchFamily="34" charset="-122"/>
+              </a:rPr>
+              <a:t>【Easy】     【</a:t>
+            </a:r>
+            <a:r>
+              <a:rPr lang="en-US" altLang="zh-CN" sz="2000" dirty="0" smtClean="0">
+                <a:solidFill>
+                  <a:schemeClr val="lt1"/>
+                </a:solidFill>
+                <a:latin typeface="微软雅黑" pitchFamily="34" charset="-122"/>
+                <a:ea typeface="微软雅黑" pitchFamily="34" charset="-122"/>
+              </a:rPr>
+              <a:t>05】</a:t>
+            </a:r>
+            <a:r>
+              <a:rPr lang="zh-CN" altLang="en-US" sz="2000" dirty="0" smtClean="0">
+                <a:solidFill>
+                  <a:schemeClr val="lt1"/>
+                </a:solidFill>
+                <a:latin typeface="微软雅黑" pitchFamily="34" charset="-122"/>
+                <a:ea typeface="微软雅黑" pitchFamily="34" charset="-122"/>
+              </a:rPr>
+              <a:t>√</a:t>
+            </a:r>
+            <a:endParaRPr lang="en-US" altLang="zh-CN" sz="2000" dirty="0">
+              <a:solidFill>
+                <a:schemeClr val="lt1"/>
+              </a:solidFill>
+              <a:latin typeface="微软雅黑" pitchFamily="34" charset="-122"/>
+              <a:ea typeface="微软雅黑" pitchFamily="34" charset="-122"/>
+            </a:endParaRPr>
+          </a:p>
+        </p:txBody>
+      </p:sp>
+      <mc:AlternateContent xmlns:mc="http://schemas.openxmlformats.org/markup-compatibility/2006">
+        <mc:Choice xmlns:p14="http://schemas.microsoft.com/office/powerpoint/2010/main" Requires="p14">
+          <p:contentPart p14:bwMode="auto" r:id="rId4">
+            <p14:nvContentPartPr>
+              <p14:cNvPr id="8" name="墨迹 7"/>
+              <p14:cNvContentPartPr/>
+              <p14:nvPr/>
+            </p14:nvContentPartPr>
+            <p14:xfrm>
+              <a:off x="1360080" y="2248920"/>
+              <a:ext cx="1413360" cy="534960"/>
+            </p14:xfrm>
+          </p:contentPart>
+        </mc:Choice>
+        <mc:Fallback>
+          <p:pic>
+            <p:nvPicPr>
+              <p:cNvPr id="8" name="墨迹 7"/>
+              <p:cNvPicPr/>
+              <p:nvPr/>
+            </p:nvPicPr>
+            <p:blipFill>
+              <a:blip r:embed="rId5"/>
+              <a:stretch>
+                <a:fillRect/>
+              </a:stretch>
+            </p:blipFill>
+            <p:spPr>
+              <a:xfrm>
+                <a:off x="1350720" y="2239560"/>
+                <a:ext cx="1432080" cy="553680"/>
+              </a:xfrm>
+              <a:prstGeom prst="rect">
+                <a:avLst/>
+              </a:prstGeom>
+            </p:spPr>
+          </p:pic>
+        </mc:Fallback>
+      </mc:AlternateContent>
     </p:spTree>
     <p:extLst>
       <p:ext uri="{BB962C8B-B14F-4D97-AF65-F5344CB8AC3E}">
@@ -6164,6 +6501,13 @@
   <p:clrMapOvr>
     <a:masterClrMapping/>
   </p:clrMapOvr>
+  <p:timing>
+    <p:tnLst>
+      <p:par>
+        <p:cTn id="1" dur="indefinite" restart="never" nodeType="tmRoot"/>
+      </p:par>
+    </p:tnLst>
+  </p:timing>
 </p:sld>
 </file>
 
@@ -6283,7 +6627,21 @@
                 <a:latin typeface="微软雅黑" pitchFamily="34" charset="-122"/>
                 <a:ea typeface="微软雅黑" pitchFamily="34" charset="-122"/>
               </a:rPr>
-              <a:t>高级功能</a:t>
+              <a:t>中</a:t>
+            </a:r>
+            <a:r>
+              <a:rPr lang="zh-CN" altLang="en-US" sz="1667" dirty="0" smtClean="0">
+                <a:latin typeface="微软雅黑" pitchFamily="34" charset="-122"/>
+                <a:ea typeface="微软雅黑" pitchFamily="34" charset="-122"/>
+              </a:rPr>
+              <a:t>级</a:t>
+            </a:r>
+            <a:r>
+              <a:rPr lang="zh-CN" altLang="en-US" sz="1667" dirty="0">
+                <a:latin typeface="微软雅黑" pitchFamily="34" charset="-122"/>
+                <a:ea typeface="微软雅黑" pitchFamily="34" charset="-122"/>
+              </a:rPr>
+              <a:t>功能</a:t>
             </a:r>
           </a:p>
         </p:txBody>
@@ -6456,8 +6814,8 @@
         </p:nvSpPr>
         <p:spPr>
           <a:xfrm>
-            <a:off x="209600" y="1849484"/>
-            <a:ext cx="6948772" cy="2900794"/>
+            <a:off x="209599" y="1849484"/>
+            <a:ext cx="7410401" cy="2900794"/>
           </a:xfrm>
           <a:prstGeom prst="rect">
             <a:avLst/>
@@ -6475,7 +6833,7 @@
               </a:spcBef>
             </a:pPr>
             <a:r>
-              <a:rPr lang="en-US" altLang="zh-CN" sz="2000">
+              <a:rPr lang="en-US" altLang="zh-CN" sz="2000" dirty="0">
                 <a:solidFill>
                   <a:schemeClr val="lt1"/>
                 </a:solidFill>
@@ -6485,7 +6843,7 @@
               <a:t>1.</a:t>
             </a:r>
             <a:r>
-              <a:rPr lang="zh-CN" altLang="en-US" sz="2000">
+              <a:rPr lang="zh-CN" altLang="en-US" sz="2000" dirty="0">
                 <a:solidFill>
                   <a:schemeClr val="lt1"/>
                 </a:solidFill>
@@ -6495,213 +6853,34 @@
               <a:t>具有简单的计分功能                              </a:t>
             </a:r>
             <a:r>
-              <a:rPr lang="en-US" altLang="zh-CN" sz="2000">
+              <a:rPr lang="en-US" altLang="zh-CN" sz="2000" dirty="0">
                 <a:solidFill>
                   <a:schemeClr val="lt1"/>
                 </a:solidFill>
                 <a:latin typeface="微软雅黑" pitchFamily="34" charset="-122"/>
                 <a:ea typeface="微软雅黑" pitchFamily="34" charset="-122"/>
               </a:rPr>
-              <a:t>【Easy】     【05】</a:t>
-            </a:r>
-          </a:p>
-          <a:p>
-            <a:pPr>
-              <a:spcBef>
-                <a:spcPts val="1500"/>
-              </a:spcBef>
-            </a:pPr>
-            <a:r>
-              <a:rPr lang="en-US" altLang="zh-CN" sz="2000">
+              <a:t>【Easy】     【</a:t>
+            </a:r>
+            <a:r>
+              <a:rPr lang="en-US" altLang="zh-CN" sz="2000" dirty="0" smtClean="0">
                 <a:solidFill>
                   <a:schemeClr val="lt1"/>
                 </a:solidFill>
                 <a:latin typeface="微软雅黑" pitchFamily="34" charset="-122"/>
                 <a:ea typeface="微软雅黑" pitchFamily="34" charset="-122"/>
               </a:rPr>
-              <a:t>2.</a:t>
-            </a:r>
-            <a:r>
-              <a:rPr lang="zh-CN" altLang="en-US" sz="2000">
+              <a:t>05】</a:t>
+            </a:r>
+            <a:r>
+              <a:rPr lang="zh-CN" altLang="en-US" sz="2000" dirty="0" smtClean="0">
                 <a:solidFill>
                   <a:schemeClr val="lt1"/>
                 </a:solidFill>
                 <a:latin typeface="微软雅黑" pitchFamily="34" charset="-122"/>
                 <a:ea typeface="微软雅黑" pitchFamily="34" charset="-122"/>
               </a:rPr>
-              <a:t>有血量，或生命值，</a:t>
-            </a:r>
-            <a:endParaRPr lang="en-US" altLang="zh-CN" sz="2000">
-              <a:solidFill>
-                <a:schemeClr val="lt1"/>
-              </a:solidFill>
-              <a:latin typeface="微软雅黑" pitchFamily="34" charset="-122"/>
-              <a:ea typeface="微软雅黑" pitchFamily="34" charset="-122"/>
-            </a:endParaRPr>
-          </a:p>
-          <a:p>
-            <a:pPr>
-              <a:spcBef>
-                <a:spcPts val="1500"/>
-              </a:spcBef>
-            </a:pPr>
-            <a:r>
-              <a:rPr lang="en-US" altLang="zh-CN" sz="2000">
-                <a:solidFill>
-                  <a:schemeClr val="lt1"/>
-                </a:solidFill>
-                <a:latin typeface="微软雅黑" pitchFamily="34" charset="-122"/>
-                <a:ea typeface="微软雅黑" pitchFamily="34" charset="-122"/>
-              </a:rPr>
-              <a:t>   </a:t>
-            </a:r>
-            <a:r>
-              <a:rPr lang="zh-CN" altLang="en-US" sz="2000">
-                <a:solidFill>
-                  <a:schemeClr val="lt1"/>
-                </a:solidFill>
-                <a:latin typeface="微软雅黑" pitchFamily="34" charset="-122"/>
-                <a:ea typeface="微软雅黑" pitchFamily="34" charset="-122"/>
-              </a:rPr>
-              <a:t>生命值为</a:t>
-            </a:r>
-            <a:r>
-              <a:rPr lang="en-US" altLang="zh-CN" sz="2000">
-                <a:solidFill>
-                  <a:schemeClr val="lt1"/>
-                </a:solidFill>
-                <a:latin typeface="微软雅黑" pitchFamily="34" charset="-122"/>
-                <a:ea typeface="微软雅黑" pitchFamily="34" charset="-122"/>
-              </a:rPr>
-              <a:t>0</a:t>
-            </a:r>
-            <a:r>
-              <a:rPr lang="zh-CN" altLang="en-US" sz="2000">
-                <a:solidFill>
-                  <a:schemeClr val="lt1"/>
-                </a:solidFill>
-                <a:latin typeface="微软雅黑" pitchFamily="34" charset="-122"/>
-                <a:ea typeface="微软雅黑" pitchFamily="34" charset="-122"/>
-              </a:rPr>
-              <a:t>能结束本局游戏                     </a:t>
-            </a:r>
-            <a:r>
-              <a:rPr lang="en-US" altLang="zh-CN" sz="2000">
-                <a:solidFill>
-                  <a:schemeClr val="lt1"/>
-                </a:solidFill>
-                <a:latin typeface="微软雅黑" pitchFamily="34" charset="-122"/>
-                <a:ea typeface="微软雅黑" pitchFamily="34" charset="-122"/>
-              </a:rPr>
-              <a:t>【Easy】     【05】</a:t>
-            </a:r>
-          </a:p>
-          <a:p>
-            <a:pPr>
-              <a:spcBef>
-                <a:spcPts val="1500"/>
-              </a:spcBef>
-            </a:pPr>
-            <a:r>
-              <a:rPr lang="en-US" altLang="zh-CN" sz="2000">
-                <a:solidFill>
-                  <a:schemeClr val="lt1"/>
-                </a:solidFill>
-                <a:latin typeface="微软雅黑" pitchFamily="34" charset="-122"/>
-                <a:ea typeface="微软雅黑" pitchFamily="34" charset="-122"/>
-              </a:rPr>
-              <a:t>3.</a:t>
-            </a:r>
-            <a:r>
-              <a:rPr lang="zh-CN" altLang="en-US" sz="2000">
-                <a:solidFill>
-                  <a:schemeClr val="lt1"/>
-                </a:solidFill>
-                <a:latin typeface="微软雅黑" pitchFamily="34" charset="-122"/>
-                <a:ea typeface="微软雅黑" pitchFamily="34" charset="-122"/>
-              </a:rPr>
-              <a:t> 判断碰撞，区分边界，障碍物以及食物  </a:t>
-            </a:r>
-            <a:r>
-              <a:rPr lang="en-US" altLang="zh-CN" sz="2000">
-                <a:solidFill>
-                  <a:schemeClr val="lt1"/>
-                </a:solidFill>
-                <a:latin typeface="微软雅黑" pitchFamily="34" charset="-122"/>
-                <a:ea typeface="微软雅黑" pitchFamily="34" charset="-122"/>
-              </a:rPr>
-              <a:t>【Normal】【10】</a:t>
-            </a:r>
-          </a:p>
-          <a:p>
-            <a:pPr>
-              <a:spcBef>
-                <a:spcPts val="1500"/>
-              </a:spcBef>
-            </a:pPr>
-            <a:r>
-              <a:rPr lang="en-US" altLang="zh-CN" sz="2000">
-                <a:solidFill>
-                  <a:schemeClr val="lt1"/>
-                </a:solidFill>
-                <a:latin typeface="微软雅黑" pitchFamily="34" charset="-122"/>
-                <a:ea typeface="微软雅黑" pitchFamily="34" charset="-122"/>
-              </a:rPr>
-              <a:t>4.</a:t>
-            </a:r>
-            <a:r>
-              <a:rPr lang="zh-CN" altLang="en-US" sz="2000">
-                <a:solidFill>
-                  <a:schemeClr val="lt1"/>
-                </a:solidFill>
-                <a:latin typeface="微软雅黑" pitchFamily="34" charset="-122"/>
-                <a:ea typeface="微软雅黑" pitchFamily="34" charset="-122"/>
-              </a:rPr>
-              <a:t>有专门的地图编辑功能，</a:t>
-            </a:r>
-            <a:endParaRPr lang="en-US" altLang="zh-CN" sz="2000">
-              <a:solidFill>
-                <a:schemeClr val="lt1"/>
-              </a:solidFill>
-              <a:latin typeface="微软雅黑" pitchFamily="34" charset="-122"/>
-              <a:ea typeface="微软雅黑" pitchFamily="34" charset="-122"/>
-            </a:endParaRPr>
-          </a:p>
-          <a:p>
-            <a:pPr>
-              <a:spcBef>
-                <a:spcPts val="1500"/>
-              </a:spcBef>
-            </a:pPr>
-            <a:r>
-              <a:rPr lang="en-US" altLang="zh-CN" sz="2000">
-                <a:solidFill>
-                  <a:schemeClr val="lt1"/>
-                </a:solidFill>
-                <a:latin typeface="微软雅黑" pitchFamily="34" charset="-122"/>
-                <a:ea typeface="微软雅黑" pitchFamily="34" charset="-122"/>
-              </a:rPr>
-              <a:t>   </a:t>
-            </a:r>
-            <a:r>
-              <a:rPr lang="zh-CN" altLang="en-US" sz="2000">
-                <a:solidFill>
-                  <a:schemeClr val="lt1"/>
-                </a:solidFill>
-                <a:latin typeface="微软雅黑" pitchFamily="34" charset="-122"/>
-                <a:ea typeface="微软雅黑" pitchFamily="34" charset="-122"/>
-              </a:rPr>
-              <a:t>可以让玩家自定义地图                          </a:t>
-            </a:r>
-            <a:r>
-              <a:rPr lang="en-US" altLang="zh-CN" sz="2000">
-                <a:solidFill>
-                  <a:schemeClr val="lt1"/>
-                </a:solidFill>
-                <a:latin typeface="微软雅黑" pitchFamily="34" charset="-122"/>
-                <a:ea typeface="微软雅黑" pitchFamily="34" charset="-122"/>
-              </a:rPr>
-              <a:t>【Hard】     【10】</a:t>
+              <a:t>√</a:t>
             </a:r>
             <a:endParaRPr lang="en-US" altLang="zh-CN" sz="2000" dirty="0">
               <a:solidFill>
@@ -6710,6 +6889,259 @@
               <a:latin typeface="微软雅黑" pitchFamily="34" charset="-122"/>
               <a:ea typeface="微软雅黑" pitchFamily="34" charset="-122"/>
             </a:endParaRPr>
+          </a:p>
+          <a:p>
+            <a:pPr>
+              <a:spcBef>
+                <a:spcPts val="1500"/>
+              </a:spcBef>
+            </a:pPr>
+            <a:r>
+              <a:rPr lang="en-US" altLang="zh-CN" sz="2000" dirty="0">
+                <a:solidFill>
+                  <a:schemeClr val="lt1"/>
+                </a:solidFill>
+                <a:latin typeface="微软雅黑" pitchFamily="34" charset="-122"/>
+                <a:ea typeface="微软雅黑" pitchFamily="34" charset="-122"/>
+              </a:rPr>
+              <a:t>2.</a:t>
+            </a:r>
+            <a:r>
+              <a:rPr lang="zh-CN" altLang="en-US" sz="2000" dirty="0">
+                <a:solidFill>
+                  <a:schemeClr val="lt1"/>
+                </a:solidFill>
+                <a:latin typeface="微软雅黑" pitchFamily="34" charset="-122"/>
+                <a:ea typeface="微软雅黑" pitchFamily="34" charset="-122"/>
+              </a:rPr>
+              <a:t>有血量，或生命值，</a:t>
+            </a:r>
+            <a:endParaRPr lang="en-US" altLang="zh-CN" sz="2000" dirty="0">
+              <a:solidFill>
+                <a:schemeClr val="lt1"/>
+              </a:solidFill>
+              <a:latin typeface="微软雅黑" pitchFamily="34" charset="-122"/>
+              <a:ea typeface="微软雅黑" pitchFamily="34" charset="-122"/>
+            </a:endParaRPr>
+          </a:p>
+          <a:p>
+            <a:pPr>
+              <a:spcBef>
+                <a:spcPts val="1500"/>
+              </a:spcBef>
+            </a:pPr>
+            <a:r>
+              <a:rPr lang="en-US" altLang="zh-CN" sz="2000" dirty="0">
+                <a:solidFill>
+                  <a:schemeClr val="lt1"/>
+                </a:solidFill>
+                <a:latin typeface="微软雅黑" pitchFamily="34" charset="-122"/>
+                <a:ea typeface="微软雅黑" pitchFamily="34" charset="-122"/>
+              </a:rPr>
+              <a:t>   </a:t>
+            </a:r>
+            <a:r>
+              <a:rPr lang="zh-CN" altLang="en-US" sz="2000" dirty="0">
+                <a:solidFill>
+                  <a:schemeClr val="lt1"/>
+                </a:solidFill>
+                <a:latin typeface="微软雅黑" pitchFamily="34" charset="-122"/>
+                <a:ea typeface="微软雅黑" pitchFamily="34" charset="-122"/>
+              </a:rPr>
+              <a:t>生命值为</a:t>
+            </a:r>
+            <a:r>
+              <a:rPr lang="en-US" altLang="zh-CN" sz="2000" dirty="0">
+                <a:solidFill>
+                  <a:schemeClr val="lt1"/>
+                </a:solidFill>
+                <a:latin typeface="微软雅黑" pitchFamily="34" charset="-122"/>
+                <a:ea typeface="微软雅黑" pitchFamily="34" charset="-122"/>
+              </a:rPr>
+              <a:t>0</a:t>
+            </a:r>
+            <a:r>
+              <a:rPr lang="zh-CN" altLang="en-US" sz="2000" dirty="0">
+                <a:solidFill>
+                  <a:schemeClr val="lt1"/>
+                </a:solidFill>
+                <a:latin typeface="微软雅黑" pitchFamily="34" charset="-122"/>
+                <a:ea typeface="微软雅黑" pitchFamily="34" charset="-122"/>
+              </a:rPr>
+              <a:t>能结束本局游戏                     </a:t>
+            </a:r>
+            <a:r>
+              <a:rPr lang="en-US" altLang="zh-CN" sz="2000" dirty="0">
+                <a:solidFill>
+                  <a:schemeClr val="lt1"/>
+                </a:solidFill>
+                <a:latin typeface="微软雅黑" pitchFamily="34" charset="-122"/>
+                <a:ea typeface="微软雅黑" pitchFamily="34" charset="-122"/>
+              </a:rPr>
+              <a:t>【Easy】     【</a:t>
+            </a:r>
+            <a:r>
+              <a:rPr lang="en-US" altLang="zh-CN" sz="2000" dirty="0" smtClean="0">
+                <a:solidFill>
+                  <a:schemeClr val="lt1"/>
+                </a:solidFill>
+                <a:latin typeface="微软雅黑" pitchFamily="34" charset="-122"/>
+                <a:ea typeface="微软雅黑" pitchFamily="34" charset="-122"/>
+              </a:rPr>
+              <a:t>05】</a:t>
+            </a:r>
+            <a:r>
+              <a:rPr lang="zh-CN" altLang="en-US" sz="2000" dirty="0" smtClean="0">
+                <a:solidFill>
+                  <a:schemeClr val="lt1"/>
+                </a:solidFill>
+                <a:latin typeface="微软雅黑" pitchFamily="34" charset="-122"/>
+                <a:ea typeface="微软雅黑" pitchFamily="34" charset="-122"/>
+              </a:rPr>
+              <a:t>√</a:t>
+            </a:r>
+            <a:endParaRPr lang="en-US" altLang="zh-CN" sz="2000" dirty="0">
+              <a:solidFill>
+                <a:schemeClr val="lt1"/>
+              </a:solidFill>
+              <a:latin typeface="微软雅黑" pitchFamily="34" charset="-122"/>
+              <a:ea typeface="微软雅黑" pitchFamily="34" charset="-122"/>
+            </a:endParaRPr>
+          </a:p>
+          <a:p>
+            <a:pPr>
+              <a:spcBef>
+                <a:spcPts val="1500"/>
+              </a:spcBef>
+            </a:pPr>
+            <a:r>
+              <a:rPr lang="en-US" altLang="zh-CN" sz="2000" dirty="0">
+                <a:solidFill>
+                  <a:schemeClr val="lt1"/>
+                </a:solidFill>
+                <a:latin typeface="微软雅黑" pitchFamily="34" charset="-122"/>
+                <a:ea typeface="微软雅黑" pitchFamily="34" charset="-122"/>
+              </a:rPr>
+              <a:t>3.</a:t>
+            </a:r>
+            <a:r>
+              <a:rPr lang="zh-CN" altLang="en-US" sz="2000" dirty="0">
+                <a:solidFill>
+                  <a:schemeClr val="lt1"/>
+                </a:solidFill>
+                <a:latin typeface="微软雅黑" pitchFamily="34" charset="-122"/>
+                <a:ea typeface="微软雅黑" pitchFamily="34" charset="-122"/>
+              </a:rPr>
+              <a:t> 判断碰撞，区分边界，障碍物以及食物  </a:t>
+            </a:r>
+            <a:r>
+              <a:rPr lang="en-US" altLang="zh-CN" sz="2000" dirty="0">
+                <a:solidFill>
+                  <a:schemeClr val="lt1"/>
+                </a:solidFill>
+                <a:latin typeface="微软雅黑" pitchFamily="34" charset="-122"/>
+                <a:ea typeface="微软雅黑" pitchFamily="34" charset="-122"/>
+              </a:rPr>
+              <a:t>【Normal】【</a:t>
+            </a:r>
+            <a:r>
+              <a:rPr lang="en-US" altLang="zh-CN" sz="2000" dirty="0" smtClean="0">
+                <a:solidFill>
+                  <a:schemeClr val="lt1"/>
+                </a:solidFill>
+                <a:latin typeface="微软雅黑" pitchFamily="34" charset="-122"/>
+                <a:ea typeface="微软雅黑" pitchFamily="34" charset="-122"/>
+              </a:rPr>
+              <a:t>10】</a:t>
+            </a:r>
+            <a:r>
+              <a:rPr lang="zh-CN" altLang="en-US" sz="2000" dirty="0" smtClean="0">
+                <a:solidFill>
+                  <a:schemeClr val="lt1"/>
+                </a:solidFill>
+                <a:latin typeface="微软雅黑" pitchFamily="34" charset="-122"/>
+                <a:ea typeface="微软雅黑" pitchFamily="34" charset="-122"/>
+              </a:rPr>
+              <a:t>√</a:t>
+            </a:r>
+            <a:endParaRPr lang="en-US" altLang="zh-CN" sz="2000" dirty="0">
+              <a:solidFill>
+                <a:schemeClr val="lt1"/>
+              </a:solidFill>
+              <a:latin typeface="微软雅黑" pitchFamily="34" charset="-122"/>
+              <a:ea typeface="微软雅黑" pitchFamily="34" charset="-122"/>
+            </a:endParaRPr>
+          </a:p>
+          <a:p>
+            <a:pPr>
+              <a:spcBef>
+                <a:spcPts val="1500"/>
+              </a:spcBef>
+            </a:pPr>
+            <a:r>
+              <a:rPr lang="en-US" altLang="zh-CN" sz="2000" dirty="0">
+                <a:solidFill>
+                  <a:schemeClr val="lt1"/>
+                </a:solidFill>
+                <a:latin typeface="微软雅黑" pitchFamily="34" charset="-122"/>
+                <a:ea typeface="微软雅黑" pitchFamily="34" charset="-122"/>
+              </a:rPr>
+              <a:t>4.</a:t>
+            </a:r>
+            <a:r>
+              <a:rPr lang="zh-CN" altLang="en-US" sz="2000" dirty="0">
+                <a:solidFill>
+                  <a:schemeClr val="lt1"/>
+                </a:solidFill>
+                <a:latin typeface="微软雅黑" pitchFamily="34" charset="-122"/>
+                <a:ea typeface="微软雅黑" pitchFamily="34" charset="-122"/>
+              </a:rPr>
+              <a:t>有专门的地图编辑功能，</a:t>
+            </a:r>
+            <a:endParaRPr lang="en-US" altLang="zh-CN" sz="2000" dirty="0">
+              <a:solidFill>
+                <a:schemeClr val="lt1"/>
+              </a:solidFill>
+              <a:latin typeface="微软雅黑" pitchFamily="34" charset="-122"/>
+              <a:ea typeface="微软雅黑" pitchFamily="34" charset="-122"/>
+            </a:endParaRPr>
+          </a:p>
+          <a:p>
+            <a:pPr>
+              <a:spcBef>
+                <a:spcPts val="1500"/>
+              </a:spcBef>
+            </a:pPr>
+            <a:r>
+              <a:rPr lang="en-US" altLang="zh-CN" sz="2000" dirty="0">
+                <a:solidFill>
+                  <a:schemeClr val="lt1"/>
+                </a:solidFill>
+                <a:latin typeface="微软雅黑" pitchFamily="34" charset="-122"/>
+                <a:ea typeface="微软雅黑" pitchFamily="34" charset="-122"/>
+              </a:rPr>
+              <a:t>   </a:t>
+            </a:r>
+            <a:r>
+              <a:rPr lang="zh-CN" altLang="en-US" sz="2000" dirty="0">
+                <a:solidFill>
+                  <a:schemeClr val="lt1"/>
+                </a:solidFill>
+                <a:latin typeface="微软雅黑" pitchFamily="34" charset="-122"/>
+                <a:ea typeface="微软雅黑" pitchFamily="34" charset="-122"/>
+              </a:rPr>
+              <a:t>可以让玩家自定义地图                          </a:t>
+            </a:r>
+            <a:r>
+              <a:rPr lang="en-US" altLang="zh-CN" sz="2000" dirty="0">
+                <a:solidFill>
+                  <a:schemeClr val="lt1"/>
+                </a:solidFill>
+                <a:latin typeface="微软雅黑" pitchFamily="34" charset="-122"/>
+                <a:ea typeface="微软雅黑" pitchFamily="34" charset="-122"/>
+              </a:rPr>
+              <a:t>【Hard】     【10】</a:t>
+            </a:r>
           </a:p>
         </p:txBody>
       </p:sp>
@@ -6723,6 +7155,13 @@
   <p:clrMapOvr>
     <a:masterClrMapping/>
   </p:clrMapOvr>
+  <p:timing>
+    <p:tnLst>
+      <p:par>
+        <p:cTn id="1" dur="indefinite" restart="never" nodeType="tmRoot"/>
+      </p:par>
+    </p:tnLst>
+  </p:timing>
 </p:sld>
 </file>
 
@@ -7120,6 +7559,13 @@
   <p:clrMapOvr>
     <a:masterClrMapping/>
   </p:clrMapOvr>
+  <p:timing>
+    <p:tnLst>
+      <p:par>
+        <p:cTn id="1" dur="indefinite" restart="never" nodeType="tmRoot"/>
+      </p:par>
+    </p:tnLst>
+  </p:timing>
 </p:sld>
 </file>
 
@@ -7583,6 +8029,13 @@
   <p:clrMapOvr>
     <a:masterClrMapping/>
   </p:clrMapOvr>
+  <p:timing>
+    <p:tnLst>
+      <p:par>
+        <p:cTn id="1" dur="indefinite" restart="never" nodeType="tmRoot"/>
+      </p:par>
+    </p:tnLst>
+  </p:timing>
 </p:sld>
 </file>
 
@@ -7885,6 +8338,13 @@
   <p:clrMapOvr>
     <a:masterClrMapping/>
   </p:clrMapOvr>
+  <p:timing>
+    <p:tnLst>
+      <p:par>
+        <p:cTn id="1" dur="indefinite" restart="never" nodeType="tmRoot"/>
+      </p:par>
+    </p:tnLst>
+  </p:timing>
 </p:sld>
 </file>
 
@@ -8331,6 +8791,13 @@
   <p:clrMapOvr>
     <a:masterClrMapping/>
   </p:clrMapOvr>
+  <p:timing>
+    <p:tnLst>
+      <p:par>
+        <p:cTn id="1" dur="indefinite" restart="never" nodeType="tmRoot"/>
+      </p:par>
+    </p:tnLst>
+  </p:timing>
 </p:sld>
 </file>
 
@@ -8342,7 +8809,7 @@
         <a:sysClr val="windowText" lastClr="000000"/>
       </a:dk1>
       <a:lt1>
-        <a:sysClr val="window" lastClr="CCE8CF"/>
+        <a:sysClr val="window" lastClr="FFFFFF"/>
       </a:lt1>
       <a:dk2>
         <a:srgbClr val="69676D"/>
@@ -8631,7 +9098,7 @@
         <a:sysClr val="windowText" lastClr="000000"/>
       </a:dk1>
       <a:lt1>
-        <a:sysClr val="window" lastClr="CCE8CF"/>
+        <a:sysClr val="window" lastClr="FFFFFF"/>
       </a:lt1>
       <a:dk2>
         <a:srgbClr val="1F497D"/>
